--- a/FidLin_Presentation3.pptx
+++ b/FidLin_Presentation3.pptx
@@ -5,17 +5,20 @@
     <p:sldMasterId id="2147483648" r:id="rId1"/>
   </p:sldMasterIdLst>
   <p:notesMasterIdLst>
-    <p:notesMasterId r:id="rId10"/>
+    <p:notesMasterId r:id="rId13"/>
   </p:notesMasterIdLst>
   <p:sldIdLst>
     <p:sldId id="256" r:id="rId2"/>
     <p:sldId id="257" r:id="rId3"/>
-    <p:sldId id="262" r:id="rId4"/>
-    <p:sldId id="264" r:id="rId5"/>
+    <p:sldId id="271" r:id="rId4"/>
+    <p:sldId id="262" r:id="rId5"/>
     <p:sldId id="267" r:id="rId6"/>
-    <p:sldId id="268" r:id="rId7"/>
-    <p:sldId id="269" r:id="rId8"/>
-    <p:sldId id="270" r:id="rId9"/>
+    <p:sldId id="274" r:id="rId7"/>
+    <p:sldId id="268" r:id="rId8"/>
+    <p:sldId id="269" r:id="rId9"/>
+    <p:sldId id="275" r:id="rId10"/>
+    <p:sldId id="270" r:id="rId11"/>
+    <p:sldId id="272" r:id="rId12"/>
   </p:sldIdLst>
   <p:sldSz cx="12192000" cy="6858000"/>
   <p:notesSz cx="6858000" cy="9144000"/>
@@ -317,6 +320,11 @@
       </a:defRPr>
     </a:lvl9pPr>
   </p:defaultTextStyle>
+  <p:extLst>
+    <p:ext uri="{EFAFB233-063F-42B5-8137-9DF3F51BA10A}">
+      <p15:sldGuideLst xmlns:p15="http://schemas.microsoft.com/office/powerpoint/2012/main"/>
+    </p:ext>
+  </p:extLst>
 </p:presentation>
 </file>
 
@@ -735,7 +743,7 @@
           </a:ln>
           <a:extLst>
             <a:ext uri="{C572A759-6A51-4108-AA02-DFA0A04FC94B}">
-              <ma14:wrappingTextBoxFlag xmlns:ma14="http://schemas.microsoft.com/office/mac/drawingml/2011/main" xmlns="" val="1"/>
+              <ma14:wrappingTextBoxFlag xmlns="" xmlns:ma14="http://schemas.microsoft.com/office/mac/drawingml/2011/main" val="1"/>
             </a:ext>
           </a:extLst>
         </p:spPr>
@@ -774,7 +782,7 @@
           </a:ln>
           <a:extLst>
             <a:ext uri="{C572A759-6A51-4108-AA02-DFA0A04FC94B}">
-              <ma14:wrappingTextBoxFlag xmlns:ma14="http://schemas.microsoft.com/office/mac/drawingml/2011/main" xmlns="" val="1"/>
+              <ma14:wrappingTextBoxFlag xmlns="" xmlns:ma14="http://schemas.microsoft.com/office/mac/drawingml/2011/main" val="1"/>
             </a:ext>
           </a:extLst>
         </p:spPr>
@@ -1794,6 +1802,186 @@
 </p:sld>
 </file>
 
+<file path=ppt/slides/slide10.xml><?xml version="1.0" encoding="utf-8"?>
+<p:sld xmlns:a="http://schemas.openxmlformats.org/drawingml/2006/main" xmlns:r="http://schemas.openxmlformats.org/officeDocument/2006/relationships" xmlns:p="http://schemas.openxmlformats.org/presentationml/2006/main">
+  <p:cSld>
+    <p:spTree>
+      <p:nvGrpSpPr>
+        <p:cNvPr id="1" name=""/>
+        <p:cNvGrpSpPr/>
+        <p:nvPr/>
+      </p:nvGrpSpPr>
+      <p:grpSpPr>
+        <a:xfrm>
+          <a:off x="0" y="0"/>
+          <a:ext cx="0" cy="0"/>
+          <a:chOff x="0" y="0"/>
+          <a:chExt cx="0" cy="0"/>
+        </a:xfrm>
+      </p:grpSpPr>
+      <p:sp>
+        <p:nvSpPr>
+          <p:cNvPr id="68" name="Google Shape;105;p17"/>
+          <p:cNvSpPr txBox="1">
+            <a:spLocks noGrp="1"/>
+          </p:cNvSpPr>
+          <p:nvPr>
+            <p:ph type="ctrTitle"/>
+          </p:nvPr>
+        </p:nvSpPr>
+        <p:spPr>
+          <a:xfrm>
+            <a:off x="1600200" y="2386011"/>
+            <a:ext cx="8991600" cy="1646237"/>
+          </a:xfrm>
+          <a:prstGeom prst="rect">
+            <a:avLst/>
+          </a:prstGeom>
+          <a:ln w="9525">
+            <a:solidFill>
+              <a:srgbClr val="000000"/>
+            </a:solidFill>
+          </a:ln>
+        </p:spPr>
+        <p:txBody>
+          <a:bodyPr/>
+          <a:lstStyle/>
+          <a:p>
+            <a:r>
+              <a:t>Tuning (the beast)</a:t>
+            </a:r>
+          </a:p>
+        </p:txBody>
+      </p:sp>
+      <p:sp>
+        <p:nvSpPr>
+          <p:cNvPr id="69" name="Google Shape;106;p17"/>
+          <p:cNvSpPr txBox="1">
+            <a:spLocks noGrp="1"/>
+          </p:cNvSpPr>
+          <p:nvPr>
+            <p:ph type="subTitle" sz="half" idx="1"/>
+          </p:nvPr>
+        </p:nvSpPr>
+        <p:spPr>
+          <a:xfrm>
+            <a:off x="2693986" y="4351337"/>
+            <a:ext cx="6802437" cy="2506662"/>
+          </a:xfrm>
+          <a:prstGeom prst="rect">
+            <a:avLst/>
+          </a:prstGeom>
+        </p:spPr>
+        <p:txBody>
+          <a:bodyPr/>
+          <a:lstStyle/>
+          <a:p>
+            <a:pPr marL="0">
+              <a:spcBef>
+                <a:spcPts val="0"/>
+              </a:spcBef>
+            </a:pPr>
+            <a:r>
+              <a:t>Vocal Processor Demonstration</a:t>
+            </a:r>
+          </a:p>
+          <a:p>
+            <a:pPr marL="0"/>
+            <a:r>
+              <a:t>The Challenge of Adding it to the Program</a:t>
+            </a:r>
+          </a:p>
+        </p:txBody>
+      </p:sp>
+    </p:spTree>
+  </p:cSld>
+  <p:clrMapOvr>
+    <a:masterClrMapping/>
+  </p:clrMapOvr>
+  <p:transition spd="med"/>
+</p:sld>
+</file>
+
+<file path=ppt/slides/slide11.xml><?xml version="1.0" encoding="utf-8"?>
+<p:sld xmlns:a="http://schemas.openxmlformats.org/drawingml/2006/main" xmlns:r="http://schemas.openxmlformats.org/officeDocument/2006/relationships" xmlns:p="http://schemas.openxmlformats.org/presentationml/2006/main">
+  <p:cSld>
+    <p:spTree>
+      <p:nvGrpSpPr>
+        <p:cNvPr id="1" name=""/>
+        <p:cNvGrpSpPr/>
+        <p:nvPr/>
+      </p:nvGrpSpPr>
+      <p:grpSpPr>
+        <a:xfrm>
+          <a:off x="0" y="0"/>
+          <a:ext cx="0" cy="0"/>
+          <a:chOff x="0" y="0"/>
+          <a:chExt cx="0" cy="0"/>
+        </a:xfrm>
+      </p:grpSpPr>
+      <p:sp>
+        <p:nvSpPr>
+          <p:cNvPr id="3" name="Text Placeholder 2"/>
+          <p:cNvSpPr>
+            <a:spLocks noGrp="1"/>
+          </p:cNvSpPr>
+          <p:nvPr>
+            <p:ph type="body" sz="half" idx="1"/>
+          </p:nvPr>
+        </p:nvSpPr>
+        <p:spPr/>
+        <p:txBody>
+          <a:bodyPr/>
+          <a:lstStyle/>
+          <a:p>
+            <a:endParaRPr lang="en-US"/>
+          </a:p>
+        </p:txBody>
+      </p:sp>
+      <p:pic>
+        <p:nvPicPr>
+          <p:cNvPr id="4" name="Picture 3"/>
+          <p:cNvPicPr>
+            <a:picLocks noChangeAspect="1"/>
+          </p:cNvPicPr>
+          <p:nvPr/>
+        </p:nvPicPr>
+        <p:blipFill>
+          <a:blip r:embed="rId2">
+            <a:extLst>
+              <a:ext uri="{28A0092B-C50C-407E-A947-70E740481C1C}">
+                <a14:useLocalDpi xmlns:a14="http://schemas.microsoft.com/office/drawing/2010/main" val="0"/>
+              </a:ext>
+            </a:extLst>
+          </a:blip>
+          <a:stretch>
+            <a:fillRect/>
+          </a:stretch>
+        </p:blipFill>
+        <p:spPr>
+          <a:xfrm>
+            <a:off x="2333625" y="333375"/>
+            <a:ext cx="7524750" cy="6191250"/>
+          </a:xfrm>
+          <a:prstGeom prst="rect">
+            <a:avLst/>
+          </a:prstGeom>
+        </p:spPr>
+      </p:pic>
+    </p:spTree>
+    <p:extLst>
+      <p:ext uri="{BB962C8B-B14F-4D97-AF65-F5344CB8AC3E}">
+        <p14:creationId xmlns:p14="http://schemas.microsoft.com/office/powerpoint/2010/main" val="2197434491"/>
+      </p:ext>
+    </p:extLst>
+  </p:cSld>
+  <p:clrMapOvr>
+    <a:masterClrMapping/>
+  </p:clrMapOvr>
+  <p:transition spd="med"/>
+</p:sld>
+</file>
+
 <file path=ppt/slides/slide2.xml><?xml version="1.0" encoding="utf-8"?>
 <p:sld xmlns:a="http://schemas.openxmlformats.org/drawingml/2006/main" xmlns:r="http://schemas.openxmlformats.org/officeDocument/2006/relationships" xmlns:p="http://schemas.openxmlformats.org/presentationml/2006/main">
   <p:cSld>
@@ -1898,6 +2086,105 @@
       </p:grpSpPr>
       <p:sp>
         <p:nvSpPr>
+          <p:cNvPr id="2" name="Title 1"/>
+          <p:cNvSpPr>
+            <a:spLocks noGrp="1"/>
+          </p:cNvSpPr>
+          <p:nvPr>
+            <p:ph type="title"/>
+          </p:nvPr>
+        </p:nvSpPr>
+        <p:spPr/>
+        <p:txBody>
+          <a:bodyPr/>
+          <a:lstStyle/>
+          <a:p>
+            <a:endParaRPr lang="en-US"/>
+          </a:p>
+        </p:txBody>
+      </p:sp>
+      <p:sp>
+        <p:nvSpPr>
+          <p:cNvPr id="3" name="Text Placeholder 2"/>
+          <p:cNvSpPr>
+            <a:spLocks noGrp="1"/>
+          </p:cNvSpPr>
+          <p:nvPr>
+            <p:ph type="body" sz="half" idx="1"/>
+          </p:nvPr>
+        </p:nvSpPr>
+        <p:spPr/>
+        <p:txBody>
+          <a:bodyPr/>
+          <a:lstStyle/>
+          <a:p>
+            <a:endParaRPr lang="en-US"/>
+          </a:p>
+        </p:txBody>
+      </p:sp>
+      <p:pic>
+        <p:nvPicPr>
+          <p:cNvPr id="4" name="Picture 3"/>
+          <p:cNvPicPr>
+            <a:picLocks noChangeAspect="1"/>
+          </p:cNvPicPr>
+          <p:nvPr/>
+        </p:nvPicPr>
+        <p:blipFill>
+          <a:blip r:embed="rId2">
+            <a:extLst>
+              <a:ext uri="{28A0092B-C50C-407E-A947-70E740481C1C}">
+                <a14:useLocalDpi xmlns:a14="http://schemas.microsoft.com/office/drawing/2010/main" val="0"/>
+              </a:ext>
+            </a:extLst>
+          </a:blip>
+          <a:stretch>
+            <a:fillRect/>
+          </a:stretch>
+        </p:blipFill>
+        <p:spPr>
+          <a:xfrm>
+            <a:off x="823912" y="0"/>
+            <a:ext cx="10544175" cy="6858000"/>
+          </a:xfrm>
+          <a:prstGeom prst="rect">
+            <a:avLst/>
+          </a:prstGeom>
+        </p:spPr>
+      </p:pic>
+    </p:spTree>
+    <p:extLst>
+      <p:ext uri="{BB962C8B-B14F-4D97-AF65-F5344CB8AC3E}">
+        <p14:creationId xmlns:p14="http://schemas.microsoft.com/office/powerpoint/2010/main" val="2549654390"/>
+      </p:ext>
+    </p:extLst>
+  </p:cSld>
+  <p:clrMapOvr>
+    <a:masterClrMapping/>
+  </p:clrMapOvr>
+  <p:transition spd="med"/>
+</p:sld>
+</file>
+
+<file path=ppt/slides/slide4.xml><?xml version="1.0" encoding="utf-8"?>
+<p:sld xmlns:a="http://schemas.openxmlformats.org/drawingml/2006/main" xmlns:r="http://schemas.openxmlformats.org/officeDocument/2006/relationships" xmlns:p="http://schemas.openxmlformats.org/presentationml/2006/main">
+  <p:cSld>
+    <p:spTree>
+      <p:nvGrpSpPr>
+        <p:cNvPr id="1" name=""/>
+        <p:cNvGrpSpPr/>
+        <p:nvPr/>
+      </p:nvGrpSpPr>
+      <p:grpSpPr>
+        <a:xfrm>
+          <a:off x="0" y="0"/>
+          <a:ext cx="0" cy="0"/>
+          <a:chOff x="0" y="0"/>
+          <a:chExt cx="0" cy="0"/>
+        </a:xfrm>
+      </p:grpSpPr>
+      <p:sp>
+        <p:nvSpPr>
           <p:cNvPr id="46" name="Google Shape;59;p9"/>
           <p:cNvSpPr txBox="1">
             <a:spLocks noGrp="1"/>
@@ -1961,66 +2248,6 @@
           <a:p>
             <a:r>
               <a:t>Leavin this one for Tanner</a:t>
-            </a:r>
-          </a:p>
-        </p:txBody>
-      </p:sp>
-    </p:spTree>
-  </p:cSld>
-  <p:clrMapOvr>
-    <a:masterClrMapping/>
-  </p:clrMapOvr>
-  <p:transition spd="med"/>
-</p:sld>
-</file>
-
-<file path=ppt/slides/slide4.xml><?xml version="1.0" encoding="utf-8"?>
-<p:sld xmlns:a="http://schemas.openxmlformats.org/drawingml/2006/main" xmlns:r="http://schemas.openxmlformats.org/officeDocument/2006/relationships" xmlns:p="http://schemas.openxmlformats.org/presentationml/2006/main">
-  <p:cSld>
-    <p:spTree>
-      <p:nvGrpSpPr>
-        <p:cNvPr id="1" name=""/>
-        <p:cNvGrpSpPr/>
-        <p:nvPr/>
-      </p:nvGrpSpPr>
-      <p:grpSpPr>
-        <a:xfrm>
-          <a:off x="0" y="0"/>
-          <a:ext cx="0" cy="0"/>
-          <a:chOff x="0" y="0"/>
-          <a:chExt cx="0" cy="0"/>
-        </a:xfrm>
-      </p:grpSpPr>
-      <p:sp>
-        <p:nvSpPr>
-          <p:cNvPr id="52" name="Google Shape;71;p11"/>
-          <p:cNvSpPr txBox="1">
-            <a:spLocks noGrp="1"/>
-          </p:cNvSpPr>
-          <p:nvPr>
-            <p:ph type="ctrTitle"/>
-          </p:nvPr>
-        </p:nvSpPr>
-        <p:spPr>
-          <a:xfrm>
-            <a:off x="1600200" y="2386011"/>
-            <a:ext cx="8991600" cy="1646237"/>
-          </a:xfrm>
-          <a:prstGeom prst="rect">
-            <a:avLst/>
-          </a:prstGeom>
-          <a:ln w="9525">
-            <a:solidFill>
-              <a:srgbClr val="000000"/>
-            </a:solidFill>
-          </a:ln>
-        </p:spPr>
-        <p:txBody>
-          <a:bodyPr/>
-          <a:lstStyle/>
-          <a:p>
-            <a:r>
-              <a:t>Intonation Game</a:t>
             </a:r>
           </a:p>
         </p:txBody>
@@ -2145,54 +2372,26 @@
       </p:grpSpPr>
       <p:sp>
         <p:nvSpPr>
-          <p:cNvPr id="62" name="Google Shape;93;p15"/>
-          <p:cNvSpPr txBox="1">
+          <p:cNvPr id="3" name="Text Placeholder 2"/>
+          <p:cNvSpPr>
             <a:spLocks noGrp="1"/>
           </p:cNvSpPr>
           <p:nvPr>
-            <p:ph type="sldNum" sz="quarter" idx="4294967295"/>
+            <p:ph type="body" sz="half" idx="1"/>
           </p:nvPr>
         </p:nvSpPr>
-        <p:spPr>
-          <a:xfrm>
-            <a:off x="10845800" y="6353512"/>
-            <a:ext cx="190500" cy="269201"/>
-          </a:xfrm>
-          <a:prstGeom prst="rect">
-            <a:avLst/>
-          </a:prstGeom>
-          <a:extLst>
-            <a:ext uri="{C572A759-6A51-4108-AA02-DFA0A04FC94B}">
-              <ma14:wrappingTextBoxFlag xmlns:ma14="http://schemas.microsoft.com/office/mac/drawingml/2011/main" xmlns="" val="1"/>
-            </a:ext>
-          </a:extLst>
-        </p:spPr>
+        <p:spPr/>
         <p:txBody>
           <a:bodyPr/>
-          <a:lstStyle>
-            <a:lvl1pPr algn="l">
-              <a:defRPr sz="1200">
-                <a:solidFill>
-                  <a:srgbClr val="000000"/>
-                </a:solidFill>
-                <a:latin typeface="Gill Sans"/>
-                <a:ea typeface="Gill Sans"/>
-                <a:cs typeface="Gill Sans"/>
-                <a:sym typeface="Gill Sans"/>
-              </a:defRPr>
-            </a:lvl1pPr>
-          </a:lstStyle>
+          <a:lstStyle/>
           <a:p>
-            <a:fld id="{86CB4B4D-7CA3-9044-876B-883B54F8677D}" type="slidenum">
-              <a:t>6</a:t>
-            </a:fld>
-            <a:endParaRPr/>
+            <a:endParaRPr lang="en-US"/>
           </a:p>
         </p:txBody>
       </p:sp>
       <p:pic>
         <p:nvPicPr>
-          <p:cNvPr id="63" name="Google Shape;94;p15" descr="Google Shape;94;p15"/>
+          <p:cNvPr id="4" name="Picture 3"/>
           <p:cNvPicPr>
             <a:picLocks noChangeAspect="1"/>
           </p:cNvPicPr>
@@ -2200,7 +2399,11 @@
         </p:nvPicPr>
         <p:blipFill>
           <a:blip r:embed="rId2">
-            <a:extLst/>
+            <a:extLst>
+              <a:ext uri="{28A0092B-C50C-407E-A947-70E740481C1C}">
+                <a14:useLocalDpi xmlns:a14="http://schemas.microsoft.com/office/drawing/2010/main" val="0"/>
+              </a:ext>
+            </a:extLst>
           </a:blip>
           <a:stretch>
             <a:fillRect/>
@@ -2208,17 +2411,652 @@
         </p:blipFill>
         <p:spPr>
           <a:xfrm>
-            <a:off x="4216400" y="482600"/>
-            <a:ext cx="3759200" cy="5892800"/>
+            <a:off x="2166135" y="0"/>
+            <a:ext cx="7859730" cy="6858000"/>
           </a:xfrm>
           <a:prstGeom prst="rect">
             <a:avLst/>
           </a:prstGeom>
-          <a:ln w="12700">
+        </p:spPr>
+      </p:pic>
+    </p:spTree>
+    <p:extLst>
+      <p:ext uri="{BB962C8B-B14F-4D97-AF65-F5344CB8AC3E}">
+        <p14:creationId xmlns:p14="http://schemas.microsoft.com/office/powerpoint/2010/main" val="3348405739"/>
+      </p:ext>
+    </p:extLst>
+  </p:cSld>
+  <p:clrMapOvr>
+    <a:masterClrMapping/>
+  </p:clrMapOvr>
+  <p:transition spd="med"/>
+</p:sld>
+</file>
+
+<file path=ppt/slides/slide7.xml><?xml version="1.0" encoding="utf-8"?>
+<p:sld xmlns:a="http://schemas.openxmlformats.org/drawingml/2006/main" xmlns:r="http://schemas.openxmlformats.org/officeDocument/2006/relationships" xmlns:p="http://schemas.openxmlformats.org/presentationml/2006/main">
+  <p:cSld>
+    <p:spTree>
+      <p:nvGrpSpPr>
+        <p:cNvPr id="1" name=""/>
+        <p:cNvGrpSpPr/>
+        <p:nvPr/>
+      </p:nvGrpSpPr>
+      <p:grpSpPr>
+        <a:xfrm>
+          <a:off x="0" y="0"/>
+          <a:ext cx="0" cy="0"/>
+          <a:chOff x="0" y="0"/>
+          <a:chExt cx="0" cy="0"/>
+        </a:xfrm>
+      </p:grpSpPr>
+      <p:pic>
+        <p:nvPicPr>
+          <p:cNvPr id="2" name="Picture 1"/>
+          <p:cNvPicPr>
+            <a:picLocks noChangeAspect="1"/>
+          </p:cNvPicPr>
+          <p:nvPr/>
+        </p:nvPicPr>
+        <p:blipFill>
+          <a:blip r:embed="rId2"/>
+          <a:stretch>
+            <a:fillRect/>
+          </a:stretch>
+        </p:blipFill>
+        <p:spPr>
+          <a:xfrm>
+            <a:off x="8628673" y="2058267"/>
+            <a:ext cx="2628900" cy="4391025"/>
+          </a:xfrm>
+          <a:prstGeom prst="rect">
+            <a:avLst/>
+          </a:prstGeom>
+        </p:spPr>
+      </p:pic>
+      <p:sp>
+        <p:nvSpPr>
+          <p:cNvPr id="3" name="TextBox 2"/>
+          <p:cNvSpPr txBox="1"/>
+          <p:nvPr/>
+        </p:nvSpPr>
+        <p:spPr>
+          <a:xfrm>
+            <a:off x="641838" y="1169377"/>
+            <a:ext cx="7095393" cy="1600436"/>
+          </a:xfrm>
+          <a:prstGeom prst="rect">
+            <a:avLst/>
+          </a:prstGeom>
+          <a:noFill/>
+          <a:ln w="12700" cap="flat">
+            <a:noFill/>
             <a:miter lim="400000"/>
           </a:ln>
+          <a:effectLst/>
+          <a:sp3d/>
+        </p:spPr>
+        <p:style>
+          <a:lnRef idx="0">
+            <a:scrgbClr r="0" g="0" b="0"/>
+          </a:lnRef>
+          <a:fillRef idx="0">
+            <a:scrgbClr r="0" g="0" b="0"/>
+          </a:fillRef>
+          <a:effectRef idx="0">
+            <a:scrgbClr r="0" g="0" b="0"/>
+          </a:effectRef>
+          <a:fontRef idx="none"/>
+        </p:style>
+        <p:txBody>
+          <a:bodyPr rot="0" spcFirstLastPara="1" vertOverflow="overflow" horzOverflow="overflow" vert="horz" wrap="square" lIns="45719" tIns="45719" rIns="45719" bIns="45719" numCol="1" spcCol="38100" rtlCol="0" anchor="t">
+            <a:spAutoFit/>
+          </a:bodyPr>
+          <a:lstStyle/>
+          <a:p>
+            <a:pPr marL="285750" marR="0" indent="-285750" algn="l" defTabSz="914400" rtl="0" fontAlgn="auto" latinLnBrk="0" hangingPunct="0">
+              <a:lnSpc>
+                <a:spcPct val="100000"/>
+              </a:lnSpc>
+              <a:spcBef>
+                <a:spcPts val="0"/>
+              </a:spcBef>
+              <a:spcAft>
+                <a:spcPts val="0"/>
+              </a:spcAft>
+              <a:buClrTx/>
+              <a:buSzTx/>
+              <a:buFont typeface="Arial" panose="020B0604020202020204" pitchFamily="34" charset="0"/>
+              <a:buChar char="•"/>
+              <a:tabLst/>
+            </a:pPr>
+            <a:r>
+              <a:rPr kumimoji="0" lang="en-US" sz="1400" b="0" i="0" u="none" strike="noStrike" cap="none" spc="0" normalizeH="0" baseline="0" dirty="0" smtClean="0">
+                <a:ln>
+                  <a:noFill/>
+                </a:ln>
+                <a:solidFill>
+                  <a:srgbClr val="000000"/>
+                </a:solidFill>
+                <a:effectLst/>
+                <a:uFillTx/>
+                <a:latin typeface="+mn-lt"/>
+                <a:ea typeface="+mn-ea"/>
+                <a:cs typeface="+mn-cs"/>
+                <a:sym typeface="Arial"/>
+              </a:rPr>
+              <a:t>User selects scale type and key, one of each otherwise error</a:t>
+            </a:r>
+          </a:p>
+          <a:p>
+            <a:pPr marL="285750" marR="0" indent="-285750" algn="l" defTabSz="914400" rtl="0" fontAlgn="auto" latinLnBrk="0" hangingPunct="0">
+              <a:lnSpc>
+                <a:spcPct val="100000"/>
+              </a:lnSpc>
+              <a:spcBef>
+                <a:spcPts val="0"/>
+              </a:spcBef>
+              <a:spcAft>
+                <a:spcPts val="0"/>
+              </a:spcAft>
+              <a:buClrTx/>
+              <a:buSzTx/>
+              <a:buFont typeface="Arial" panose="020B0604020202020204" pitchFamily="34" charset="0"/>
+              <a:buChar char="•"/>
+              <a:tabLst/>
+            </a:pPr>
+            <a:r>
+              <a:rPr lang="en-US" dirty="0" smtClean="0"/>
+              <a:t>App builds the scale</a:t>
+            </a:r>
+          </a:p>
+          <a:p>
+            <a:pPr marL="285750" marR="0" indent="-285750" algn="l" defTabSz="914400" rtl="0" fontAlgn="auto" latinLnBrk="0" hangingPunct="0">
+              <a:lnSpc>
+                <a:spcPct val="100000"/>
+              </a:lnSpc>
+              <a:spcBef>
+                <a:spcPts val="0"/>
+              </a:spcBef>
+              <a:spcAft>
+                <a:spcPts val="0"/>
+              </a:spcAft>
+              <a:buClrTx/>
+              <a:buSzTx/>
+              <a:buFont typeface="Arial" panose="020B0604020202020204" pitchFamily="34" charset="0"/>
+              <a:buChar char="•"/>
+              <a:tabLst/>
+            </a:pPr>
+            <a:r>
+              <a:rPr kumimoji="0" lang="en-US" sz="1400" b="0" i="0" u="none" strike="noStrike" cap="none" spc="0" normalizeH="0" baseline="0" dirty="0" smtClean="0">
+                <a:ln>
+                  <a:noFill/>
+                </a:ln>
+                <a:solidFill>
+                  <a:srgbClr val="000000"/>
+                </a:solidFill>
+                <a:effectLst/>
+                <a:uFillTx/>
+                <a:latin typeface="+mn-lt"/>
+                <a:ea typeface="+mn-ea"/>
+                <a:cs typeface="+mn-cs"/>
+                <a:sym typeface="Arial"/>
+              </a:rPr>
+              <a:t>Displays</a:t>
+            </a:r>
+            <a:r>
+              <a:rPr kumimoji="0" lang="en-US" sz="1400" b="0" i="0" u="none" strike="noStrike" cap="none" spc="0" normalizeH="0" dirty="0" smtClean="0">
+                <a:ln>
+                  <a:noFill/>
+                </a:ln>
+                <a:solidFill>
+                  <a:srgbClr val="000000"/>
+                </a:solidFill>
+                <a:effectLst/>
+                <a:uFillTx/>
+                <a:latin typeface="+mn-lt"/>
+                <a:ea typeface="+mn-ea"/>
+                <a:cs typeface="+mn-cs"/>
+                <a:sym typeface="Arial"/>
+              </a:rPr>
+              <a:t> each note name and finger position for 3 seconds in screen center</a:t>
+            </a:r>
+          </a:p>
+          <a:p>
+            <a:pPr marL="285750" marR="0" indent="-285750" algn="l" defTabSz="914400" rtl="0" fontAlgn="auto" latinLnBrk="0" hangingPunct="0">
+              <a:lnSpc>
+                <a:spcPct val="100000"/>
+              </a:lnSpc>
+              <a:spcBef>
+                <a:spcPts val="0"/>
+              </a:spcBef>
+              <a:spcAft>
+                <a:spcPts val="0"/>
+              </a:spcAft>
+              <a:buClrTx/>
+              <a:buSzTx/>
+              <a:buFont typeface="Arial" panose="020B0604020202020204" pitchFamily="34" charset="0"/>
+              <a:buChar char="•"/>
+              <a:tabLst/>
+            </a:pPr>
+            <a:endParaRPr kumimoji="0" lang="en-US" sz="1400" b="0" i="0" u="none" strike="noStrike" cap="none" spc="0" normalizeH="0" dirty="0" smtClean="0">
+              <a:ln>
+                <a:noFill/>
+              </a:ln>
+              <a:solidFill>
+                <a:srgbClr val="000000"/>
+              </a:solidFill>
+              <a:effectLst/>
+              <a:uFillTx/>
+              <a:latin typeface="+mn-lt"/>
+              <a:ea typeface="+mn-ea"/>
+              <a:cs typeface="+mn-cs"/>
+              <a:sym typeface="Arial"/>
+            </a:endParaRPr>
+          </a:p>
+          <a:p>
+            <a:pPr marL="285750" marR="0" indent="-285750" algn="l" defTabSz="914400" rtl="0" fontAlgn="auto" latinLnBrk="0" hangingPunct="0">
+              <a:lnSpc>
+                <a:spcPct val="100000"/>
+              </a:lnSpc>
+              <a:spcBef>
+                <a:spcPts val="0"/>
+              </a:spcBef>
+              <a:spcAft>
+                <a:spcPts val="0"/>
+              </a:spcAft>
+              <a:buClrTx/>
+              <a:buSzTx/>
+              <a:buFont typeface="Arial" panose="020B0604020202020204" pitchFamily="34" charset="0"/>
+              <a:buChar char="•"/>
+              <a:tabLst/>
+            </a:pPr>
+            <a:endParaRPr kumimoji="0" lang="en-US" sz="1400" b="0" i="0" u="none" strike="noStrike" cap="none" spc="0" normalizeH="0" baseline="0" dirty="0" smtClean="0">
+              <a:ln>
+                <a:noFill/>
+              </a:ln>
+              <a:solidFill>
+                <a:srgbClr val="000000"/>
+              </a:solidFill>
+              <a:effectLst/>
+              <a:uFillTx/>
+              <a:latin typeface="+mn-lt"/>
+              <a:ea typeface="+mn-ea"/>
+              <a:cs typeface="+mn-cs"/>
+              <a:sym typeface="Arial"/>
+            </a:endParaRPr>
+          </a:p>
+          <a:p>
+            <a:pPr marL="0" marR="0" indent="0" algn="l" defTabSz="914400" rtl="0" fontAlgn="auto" latinLnBrk="0" hangingPunct="0">
+              <a:lnSpc>
+                <a:spcPct val="100000"/>
+              </a:lnSpc>
+              <a:spcBef>
+                <a:spcPts val="0"/>
+              </a:spcBef>
+              <a:spcAft>
+                <a:spcPts val="0"/>
+              </a:spcAft>
+              <a:buClrTx/>
+              <a:buSzTx/>
+              <a:buFontTx/>
+              <a:buNone/>
+              <a:tabLst/>
+            </a:pPr>
+            <a:endParaRPr lang="en-US" dirty="0"/>
+          </a:p>
+          <a:p>
+            <a:pPr marL="285750" marR="0" indent="-285750" algn="l" defTabSz="914400" rtl="0" fontAlgn="auto" latinLnBrk="0" hangingPunct="0">
+              <a:lnSpc>
+                <a:spcPct val="100000"/>
+              </a:lnSpc>
+              <a:spcBef>
+                <a:spcPts val="0"/>
+              </a:spcBef>
+              <a:spcAft>
+                <a:spcPts val="0"/>
+              </a:spcAft>
+              <a:buClrTx/>
+              <a:buSzTx/>
+              <a:buFont typeface="Arial" panose="020B0604020202020204" pitchFamily="34" charset="0"/>
+              <a:buChar char="•"/>
+              <a:tabLst/>
+            </a:pPr>
+            <a:endParaRPr kumimoji="0" lang="en-US" sz="1400" b="0" i="0" u="none" strike="noStrike" cap="none" spc="0" normalizeH="0" baseline="0" dirty="0">
+              <a:ln>
+                <a:noFill/>
+              </a:ln>
+              <a:solidFill>
+                <a:srgbClr val="000000"/>
+              </a:solidFill>
+              <a:effectLst/>
+              <a:uFillTx/>
+              <a:latin typeface="+mn-lt"/>
+              <a:ea typeface="+mn-ea"/>
+              <a:cs typeface="+mn-cs"/>
+              <a:sym typeface="Arial"/>
+            </a:endParaRPr>
+          </a:p>
+        </p:txBody>
+      </p:sp>
+      <p:pic>
+        <p:nvPicPr>
+          <p:cNvPr id="4" name="Picture 3"/>
+          <p:cNvPicPr>
+            <a:picLocks noChangeAspect="1"/>
+          </p:cNvPicPr>
+          <p:nvPr/>
+        </p:nvPicPr>
+        <p:blipFill>
+          <a:blip r:embed="rId3"/>
+          <a:stretch>
+            <a:fillRect/>
+          </a:stretch>
+        </p:blipFill>
+        <p:spPr>
+          <a:xfrm>
+            <a:off x="641838" y="2078037"/>
+            <a:ext cx="2628900" cy="4410075"/>
+          </a:xfrm>
+          <a:prstGeom prst="rect">
+            <a:avLst/>
+          </a:prstGeom>
         </p:spPr>
       </p:pic>
+      <p:pic>
+        <p:nvPicPr>
+          <p:cNvPr id="5" name="Picture 4"/>
+          <p:cNvPicPr>
+            <a:picLocks noChangeAspect="1"/>
+          </p:cNvPicPr>
+          <p:nvPr/>
+        </p:nvPicPr>
+        <p:blipFill>
+          <a:blip r:embed="rId4"/>
+          <a:stretch>
+            <a:fillRect/>
+          </a:stretch>
+        </p:blipFill>
+        <p:spPr>
+          <a:xfrm>
+            <a:off x="4611808" y="2077317"/>
+            <a:ext cx="2562225" cy="4371975"/>
+          </a:xfrm>
+          <a:prstGeom prst="rect">
+            <a:avLst/>
+          </a:prstGeom>
+        </p:spPr>
+      </p:pic>
+      <p:sp>
+        <p:nvSpPr>
+          <p:cNvPr id="6" name="TextBox 5"/>
+          <p:cNvSpPr txBox="1"/>
+          <p:nvPr/>
+        </p:nvSpPr>
+        <p:spPr>
+          <a:xfrm>
+            <a:off x="8628673" y="6418384"/>
+            <a:ext cx="2628900" cy="307775"/>
+          </a:xfrm>
+          <a:prstGeom prst="rect">
+            <a:avLst/>
+          </a:prstGeom>
+          <a:noFill/>
+          <a:ln w="12700" cap="flat">
+            <a:noFill/>
+            <a:miter lim="400000"/>
+          </a:ln>
+          <a:effectLst/>
+          <a:sp3d/>
+        </p:spPr>
+        <p:style>
+          <a:lnRef idx="0">
+            <a:scrgbClr r="0" g="0" b="0"/>
+          </a:lnRef>
+          <a:fillRef idx="0">
+            <a:scrgbClr r="0" g="0" b="0"/>
+          </a:fillRef>
+          <a:effectRef idx="0">
+            <a:scrgbClr r="0" g="0" b="0"/>
+          </a:effectRef>
+          <a:fontRef idx="none"/>
+        </p:style>
+        <p:txBody>
+          <a:bodyPr rot="0" spcFirstLastPara="1" vertOverflow="overflow" horzOverflow="overflow" vert="horz" wrap="square" lIns="45719" tIns="45719" rIns="45719" bIns="45719" numCol="1" spcCol="38100" rtlCol="0" anchor="t">
+            <a:spAutoFit/>
+          </a:bodyPr>
+          <a:lstStyle/>
+          <a:p>
+            <a:pPr marL="0" marR="0" indent="0" algn="l" defTabSz="914400" rtl="0" fontAlgn="auto" latinLnBrk="0" hangingPunct="0">
+              <a:lnSpc>
+                <a:spcPct val="100000"/>
+              </a:lnSpc>
+              <a:spcBef>
+                <a:spcPts val="0"/>
+              </a:spcBef>
+              <a:spcAft>
+                <a:spcPts val="0"/>
+              </a:spcAft>
+              <a:buClrTx/>
+              <a:buSzTx/>
+              <a:buFontTx/>
+              <a:buNone/>
+              <a:tabLst/>
+            </a:pPr>
+            <a:r>
+              <a:rPr kumimoji="0" lang="en-US" sz="1400" b="0" i="0" u="none" strike="noStrike" cap="none" spc="0" normalizeH="0" baseline="0" dirty="0" smtClean="0">
+                <a:ln>
+                  <a:noFill/>
+                </a:ln>
+                <a:solidFill>
+                  <a:srgbClr val="000000"/>
+                </a:solidFill>
+                <a:effectLst/>
+                <a:uFillTx/>
+                <a:latin typeface="+mn-lt"/>
+                <a:ea typeface="+mn-ea"/>
+                <a:cs typeface="+mn-cs"/>
+                <a:sym typeface="Arial"/>
+              </a:rPr>
+              <a:t>Default</a:t>
+            </a:r>
+            <a:endParaRPr kumimoji="0" lang="en-US" sz="1400" b="0" i="0" u="none" strike="noStrike" cap="none" spc="0" normalizeH="0" baseline="0" dirty="0">
+              <a:ln>
+                <a:noFill/>
+              </a:ln>
+              <a:solidFill>
+                <a:srgbClr val="000000"/>
+              </a:solidFill>
+              <a:effectLst/>
+              <a:uFillTx/>
+              <a:latin typeface="+mn-lt"/>
+              <a:ea typeface="+mn-ea"/>
+              <a:cs typeface="+mn-cs"/>
+              <a:sym typeface="Arial"/>
+            </a:endParaRPr>
+          </a:p>
+        </p:txBody>
+      </p:sp>
+      <p:sp>
+        <p:nvSpPr>
+          <p:cNvPr id="7" name="TextBox 6"/>
+          <p:cNvSpPr txBox="1"/>
+          <p:nvPr/>
+        </p:nvSpPr>
+        <p:spPr>
+          <a:xfrm>
+            <a:off x="4607169" y="6418385"/>
+            <a:ext cx="2620108" cy="307775"/>
+          </a:xfrm>
+          <a:prstGeom prst="rect">
+            <a:avLst/>
+          </a:prstGeom>
+          <a:noFill/>
+          <a:ln w="12700" cap="flat">
+            <a:noFill/>
+            <a:miter lim="400000"/>
+          </a:ln>
+          <a:effectLst/>
+          <a:sp3d/>
+        </p:spPr>
+        <p:style>
+          <a:lnRef idx="0">
+            <a:scrgbClr r="0" g="0" b="0"/>
+          </a:lnRef>
+          <a:fillRef idx="0">
+            <a:scrgbClr r="0" g="0" b="0"/>
+          </a:fillRef>
+          <a:effectRef idx="0">
+            <a:scrgbClr r="0" g="0" b="0"/>
+          </a:effectRef>
+          <a:fontRef idx="none"/>
+        </p:style>
+        <p:txBody>
+          <a:bodyPr rot="0" spcFirstLastPara="1" vertOverflow="overflow" horzOverflow="overflow" vert="horz" wrap="square" lIns="45719" tIns="45719" rIns="45719" bIns="45719" numCol="1" spcCol="38100" rtlCol="0" anchor="t">
+            <a:spAutoFit/>
+          </a:bodyPr>
+          <a:lstStyle/>
+          <a:p>
+            <a:pPr marL="0" marR="0" indent="0" algn="l" defTabSz="914400" rtl="0" fontAlgn="auto" latinLnBrk="0" hangingPunct="0">
+              <a:lnSpc>
+                <a:spcPct val="100000"/>
+              </a:lnSpc>
+              <a:spcBef>
+                <a:spcPts val="0"/>
+              </a:spcBef>
+              <a:spcAft>
+                <a:spcPts val="0"/>
+              </a:spcAft>
+              <a:buClrTx/>
+              <a:buSzTx/>
+              <a:buFontTx/>
+              <a:buNone/>
+              <a:tabLst/>
+            </a:pPr>
+            <a:r>
+              <a:rPr kumimoji="0" lang="en-US" sz="1400" b="0" i="0" u="none" strike="noStrike" cap="none" spc="0" normalizeH="0" baseline="0" dirty="0" smtClean="0">
+                <a:ln>
+                  <a:noFill/>
+                </a:ln>
+                <a:solidFill>
+                  <a:srgbClr val="000000"/>
+                </a:solidFill>
+                <a:effectLst/>
+                <a:uFillTx/>
+                <a:latin typeface="+mn-lt"/>
+                <a:ea typeface="+mn-ea"/>
+                <a:cs typeface="+mn-cs"/>
+                <a:sym typeface="Arial"/>
+              </a:rPr>
+              <a:t>Bad Input</a:t>
+            </a:r>
+            <a:endParaRPr kumimoji="0" lang="en-US" sz="1400" b="0" i="0" u="none" strike="noStrike" cap="none" spc="0" normalizeH="0" baseline="0" dirty="0">
+              <a:ln>
+                <a:noFill/>
+              </a:ln>
+              <a:solidFill>
+                <a:srgbClr val="000000"/>
+              </a:solidFill>
+              <a:effectLst/>
+              <a:uFillTx/>
+              <a:latin typeface="+mn-lt"/>
+              <a:ea typeface="+mn-ea"/>
+              <a:cs typeface="+mn-cs"/>
+              <a:sym typeface="Arial"/>
+            </a:endParaRPr>
+          </a:p>
+        </p:txBody>
+      </p:sp>
+      <p:sp>
+        <p:nvSpPr>
+          <p:cNvPr id="8" name="TextBox 7"/>
+          <p:cNvSpPr txBox="1"/>
+          <p:nvPr/>
+        </p:nvSpPr>
+        <p:spPr>
+          <a:xfrm>
+            <a:off x="641838" y="6488112"/>
+            <a:ext cx="2628900" cy="307775"/>
+          </a:xfrm>
+          <a:prstGeom prst="rect">
+            <a:avLst/>
+          </a:prstGeom>
+          <a:noFill/>
+          <a:ln w="12700" cap="flat">
+            <a:noFill/>
+            <a:miter lim="400000"/>
+          </a:ln>
+          <a:effectLst/>
+          <a:sp3d/>
+        </p:spPr>
+        <p:style>
+          <a:lnRef idx="0">
+            <a:scrgbClr r="0" g="0" b="0"/>
+          </a:lnRef>
+          <a:fillRef idx="0">
+            <a:scrgbClr r="0" g="0" b="0"/>
+          </a:fillRef>
+          <a:effectRef idx="0">
+            <a:scrgbClr r="0" g="0" b="0"/>
+          </a:effectRef>
+          <a:fontRef idx="none"/>
+        </p:style>
+        <p:txBody>
+          <a:bodyPr rot="0" spcFirstLastPara="1" vertOverflow="overflow" horzOverflow="overflow" vert="horz" wrap="square" lIns="45719" tIns="45719" rIns="45719" bIns="45719" numCol="1" spcCol="38100" rtlCol="0" anchor="t">
+            <a:spAutoFit/>
+          </a:bodyPr>
+          <a:lstStyle/>
+          <a:p>
+            <a:pPr marL="0" marR="0" indent="0" algn="l" defTabSz="914400" rtl="0" fontAlgn="auto" latinLnBrk="0" hangingPunct="0">
+              <a:lnSpc>
+                <a:spcPct val="100000"/>
+              </a:lnSpc>
+              <a:spcBef>
+                <a:spcPts val="0"/>
+              </a:spcBef>
+              <a:spcAft>
+                <a:spcPts val="0"/>
+              </a:spcAft>
+              <a:buClrTx/>
+              <a:buSzTx/>
+              <a:buFontTx/>
+              <a:buNone/>
+              <a:tabLst/>
+            </a:pPr>
+            <a:r>
+              <a:rPr kumimoji="0" lang="en-US" sz="1400" b="0" i="0" u="none" strike="noStrike" cap="none" spc="0" normalizeH="0" baseline="0" dirty="0" smtClean="0">
+                <a:ln>
+                  <a:noFill/>
+                </a:ln>
+                <a:solidFill>
+                  <a:srgbClr val="000000"/>
+                </a:solidFill>
+                <a:effectLst/>
+                <a:uFillTx/>
+                <a:latin typeface="+mn-lt"/>
+                <a:ea typeface="+mn-ea"/>
+                <a:cs typeface="+mn-cs"/>
+                <a:sym typeface="Arial"/>
+              </a:rPr>
+              <a:t>Good Input</a:t>
+            </a:r>
+            <a:endParaRPr kumimoji="0" lang="en-US" sz="1400" b="0" i="0" u="none" strike="noStrike" cap="none" spc="0" normalizeH="0" baseline="0" dirty="0">
+              <a:ln>
+                <a:noFill/>
+              </a:ln>
+              <a:solidFill>
+                <a:srgbClr val="000000"/>
+              </a:solidFill>
+              <a:effectLst/>
+              <a:uFillTx/>
+              <a:latin typeface="+mn-lt"/>
+              <a:ea typeface="+mn-ea"/>
+              <a:cs typeface="+mn-cs"/>
+              <a:sym typeface="Arial"/>
+            </a:endParaRPr>
+          </a:p>
+        </p:txBody>
+      </p:sp>
     </p:spTree>
   </p:cSld>
   <p:clrMapOvr>
@@ -2228,7 +3066,7 @@
 </p:sld>
 </file>
 
-<file path=ppt/slides/slide7.xml><?xml version="1.0" encoding="utf-8"?>
+<file path=ppt/slides/slide8.xml><?xml version="1.0" encoding="utf-8"?>
 <p:sld xmlns:a="http://schemas.openxmlformats.org/drawingml/2006/main" xmlns:r="http://schemas.openxmlformats.org/officeDocument/2006/relationships" xmlns:p="http://schemas.openxmlformats.org/presentationml/2006/main">
   <p:cSld>
     <p:spTree>
@@ -2320,7 +3158,7 @@
 </p:sld>
 </file>
 
-<file path=ppt/slides/slide8.xml><?xml version="1.0" encoding="utf-8"?>
+<file path=ppt/slides/slide9.xml><?xml version="1.0" encoding="utf-8"?>
 <p:sld xmlns:a="http://schemas.openxmlformats.org/drawingml/2006/main" xmlns:r="http://schemas.openxmlformats.org/officeDocument/2006/relationships" xmlns:p="http://schemas.openxmlformats.org/presentationml/2006/main">
   <p:cSld>
     <p:spTree>
@@ -2339,79 +3177,53 @@
       </p:grpSpPr>
       <p:sp>
         <p:nvSpPr>
-          <p:cNvPr id="68" name="Google Shape;105;p17"/>
-          <p:cNvSpPr txBox="1">
+          <p:cNvPr id="3" name="Text Placeholder 2"/>
+          <p:cNvSpPr>
             <a:spLocks noGrp="1"/>
           </p:cNvSpPr>
           <p:nvPr>
-            <p:ph type="ctrTitle"/>
+            <p:ph type="body" sz="half" idx="1"/>
           </p:nvPr>
         </p:nvSpPr>
-        <p:spPr>
-          <a:xfrm>
-            <a:off x="1600200" y="2386011"/>
-            <a:ext cx="8991600" cy="1646237"/>
-          </a:xfrm>
-          <a:prstGeom prst="rect">
-            <a:avLst/>
-          </a:prstGeom>
-          <a:ln w="9525">
-            <a:solidFill>
-              <a:srgbClr val="000000"/>
-            </a:solidFill>
-          </a:ln>
-        </p:spPr>
+        <p:spPr/>
         <p:txBody>
           <a:bodyPr/>
           <a:lstStyle/>
           <a:p>
-            <a:r>
-              <a:t>Tuning (the beast)</a:t>
-            </a:r>
+            <a:endParaRPr lang="en-US"/>
           </a:p>
         </p:txBody>
       </p:sp>
-      <p:sp>
-        <p:nvSpPr>
-          <p:cNvPr id="69" name="Google Shape;106;p17"/>
-          <p:cNvSpPr txBox="1">
-            <a:spLocks noGrp="1"/>
-          </p:cNvSpPr>
-          <p:nvPr>
-            <p:ph type="subTitle" sz="half" idx="1"/>
-          </p:nvPr>
-        </p:nvSpPr>
+      <p:pic>
+        <p:nvPicPr>
+          <p:cNvPr id="4" name="Picture 3"/>
+          <p:cNvPicPr>
+            <a:picLocks noChangeAspect="1"/>
+          </p:cNvPicPr>
+          <p:nvPr/>
+        </p:nvPicPr>
+        <p:blipFill>
+          <a:blip r:embed="rId2"/>
+          <a:stretch>
+            <a:fillRect/>
+          </a:stretch>
+        </p:blipFill>
         <p:spPr>
           <a:xfrm>
-            <a:off x="2693986" y="4351337"/>
-            <a:ext cx="6802437" cy="2506662"/>
+            <a:off x="2762833" y="79131"/>
+            <a:ext cx="6664743" cy="6493852"/>
           </a:xfrm>
           <a:prstGeom prst="rect">
             <a:avLst/>
           </a:prstGeom>
         </p:spPr>
-        <p:txBody>
-          <a:bodyPr/>
-          <a:lstStyle/>
-          <a:p>
-            <a:pPr marL="0">
-              <a:spcBef>
-                <a:spcPts val="0"/>
-              </a:spcBef>
-            </a:pPr>
-            <a:r>
-              <a:t>Vocal Processor Demonstration</a:t>
-            </a:r>
-          </a:p>
-          <a:p>
-            <a:pPr marL="0"/>
-            <a:r>
-              <a:t>The Challenge of Adding it to the Program</a:t>
-            </a:r>
-          </a:p>
-        </p:txBody>
-      </p:sp>
+      </p:pic>
     </p:spTree>
+    <p:extLst>
+      <p:ext uri="{BB962C8B-B14F-4D97-AF65-F5344CB8AC3E}">
+        <p14:creationId xmlns:p14="http://schemas.microsoft.com/office/powerpoint/2010/main" val="1058960151"/>
+      </p:ext>
+    </p:extLst>
   </p:cSld>
   <p:clrMapOvr>
     <a:masterClrMapping/>
